--- a/Dish-set-go-presentation.pptx
+++ b/Dish-set-go-presentation.pptx
@@ -7900,6 +7900,93 @@
           </a:p>
           <a:p>
             <a:endParaRPr lang="en-US" dirty="0"/>
+          </a:p>
+        </p:txBody>
+      </p:sp>
+      <p:sp>
+        <p:nvSpPr>
+          <p:cNvPr id="4" name="TextBox 3">
+            <a:extLst>
+              <a:ext uri="{FF2B5EF4-FFF2-40B4-BE49-F238E27FC236}">
+                <a16:creationId xmlns:a16="http://schemas.microsoft.com/office/drawing/2014/main" id="{7039B21C-BBD8-4DB8-A6F6-75949FCB5FE8}"/>
+              </a:ext>
+            </a:extLst>
+          </p:cNvPr>
+          <p:cNvSpPr txBox="1"/>
+          <p:nvPr/>
+        </p:nvSpPr>
+        <p:spPr>
+          <a:xfrm>
+            <a:off x="9164214" y="4595831"/>
+            <a:ext cx="2902096" cy="1969770"/>
+          </a:xfrm>
+          <a:prstGeom prst="rect">
+            <a:avLst/>
+          </a:prstGeom>
+          <a:noFill/>
+        </p:spPr>
+        <p:txBody>
+          <a:bodyPr wrap="square" rtlCol="0">
+            <a:spAutoFit/>
+          </a:bodyPr>
+          <a:lstStyle/>
+          <a:p>
+            <a:r>
+              <a:rPr lang="en-US" sz="2600" b="1" dirty="0">
+                <a:latin typeface="Bernard MT Condensed" panose="02050806060905020404" pitchFamily="18" charset="0"/>
+              </a:rPr>
+              <a:t>Team Members:</a:t>
+            </a:r>
+          </a:p>
+          <a:p>
+            <a:r>
+              <a:rPr lang="en-US" sz="2400" b="1" dirty="0">
+                <a:latin typeface="Bernard MT Condensed" panose="02050806060905020404" pitchFamily="18" charset="0"/>
+              </a:rPr>
+              <a:t>Barbara Hernandez</a:t>
+            </a:r>
+          </a:p>
+          <a:p>
+            <a:r>
+              <a:rPr lang="en-US" sz="2400" b="1" dirty="0">
+                <a:latin typeface="Bernard MT Condensed" panose="02050806060905020404" pitchFamily="18" charset="0"/>
+              </a:rPr>
+              <a:t>Kevin </a:t>
+            </a:r>
+            <a:r>
+              <a:rPr lang="en-US" sz="2400" b="1" dirty="0" err="1">
+                <a:latin typeface="Bernard MT Condensed" panose="02050806060905020404" pitchFamily="18" charset="0"/>
+              </a:rPr>
+              <a:t>Luu</a:t>
+            </a:r>
+            <a:endParaRPr lang="en-US" sz="2400" b="1" dirty="0">
+              <a:latin typeface="Bernard MT Condensed" panose="02050806060905020404" pitchFamily="18" charset="0"/>
+            </a:endParaRPr>
+          </a:p>
+          <a:p>
+            <a:r>
+              <a:rPr lang="en-US" sz="2400" b="1" dirty="0">
+                <a:latin typeface="Bernard MT Condensed" panose="02050806060905020404" pitchFamily="18" charset="0"/>
+              </a:rPr>
+              <a:t>Phillip </a:t>
+            </a:r>
+            <a:r>
+              <a:rPr lang="en-US" sz="2400" b="1" dirty="0" err="1">
+                <a:latin typeface="Bernard MT Condensed" panose="02050806060905020404" pitchFamily="18" charset="0"/>
+              </a:rPr>
+              <a:t>Grider</a:t>
+            </a:r>
+            <a:endParaRPr lang="en-US" sz="2400" b="1" dirty="0">
+              <a:latin typeface="Bernard MT Condensed" panose="02050806060905020404" pitchFamily="18" charset="0"/>
+            </a:endParaRPr>
+          </a:p>
+          <a:p>
+            <a:r>
+              <a:rPr lang="en-US" sz="2400" b="1" dirty="0">
+                <a:latin typeface="Bernard MT Condensed" panose="02050806060905020404" pitchFamily="18" charset="0"/>
+              </a:rPr>
+              <a:t>Vita Chen</a:t>
+            </a:r>
           </a:p>
         </p:txBody>
       </p:sp>
@@ -9346,56 +9433,62 @@
           <a:lstStyle/>
           <a:p>
             <a:r>
-              <a:rPr lang="en-US" sz="2800" dirty="0"/>
+              <a:rPr lang="en-US" dirty="0"/>
               <a:t>Food2Fork API </a:t>
             </a:r>
           </a:p>
           <a:p>
             <a:r>
-              <a:rPr lang="en-US" sz="2800" dirty="0"/>
+              <a:rPr lang="en-US" dirty="0"/>
               <a:t>Twilio API </a:t>
             </a:r>
           </a:p>
           <a:p>
             <a:r>
-              <a:rPr lang="en-US" sz="2800" dirty="0"/>
+              <a:rPr lang="en-US" dirty="0"/>
               <a:t>jQuery</a:t>
             </a:r>
           </a:p>
           <a:p>
             <a:r>
-              <a:rPr lang="en-US" sz="2800" dirty="0"/>
+              <a:rPr lang="en-US" dirty="0"/>
               <a:t>JavaScript</a:t>
             </a:r>
           </a:p>
           <a:p>
             <a:r>
-              <a:rPr lang="en-US" sz="2800" dirty="0"/>
+              <a:rPr lang="en-US" dirty="0"/>
               <a:t>HTML5/CSS3</a:t>
             </a:r>
           </a:p>
           <a:p>
             <a:r>
-              <a:rPr lang="en-US" sz="2800" dirty="0"/>
+              <a:rPr lang="en-US" dirty="0"/>
               <a:t>Bootstrap</a:t>
             </a:r>
           </a:p>
           <a:p>
             <a:r>
-              <a:rPr lang="en-US" sz="2800" dirty="0"/>
+              <a:rPr lang="en-US" dirty="0"/>
               <a:t>iziModal.js</a:t>
             </a:r>
           </a:p>
           <a:p>
             <a:r>
-              <a:rPr lang="en-US" sz="2800" dirty="0"/>
+              <a:rPr lang="en-US" dirty="0"/>
               <a:t>Popper.js</a:t>
             </a:r>
           </a:p>
           <a:p>
             <a:r>
-              <a:rPr lang="en-US" sz="2800" dirty="0"/>
+              <a:rPr lang="en-US" dirty="0"/>
               <a:t>Animate.css</a:t>
+            </a:r>
+          </a:p>
+          <a:p>
+            <a:r>
+              <a:rPr lang="en-US" dirty="0"/>
+              <a:t>Firebase</a:t>
             </a:r>
           </a:p>
         </p:txBody>
@@ -10408,6 +10501,103 @@
                                   </p:childTnLst>
                                 </p:cTn>
                               </p:par>
+                              <p:par>
+                                <p:cTn id="57" presetID="42" presetClass="entr" presetSubtype="0" fill="hold" nodeType="withEffect">
+                                  <p:stCondLst>
+                                    <p:cond delay="0"/>
+                                  </p:stCondLst>
+                                  <p:childTnLst>
+                                    <p:set>
+                                      <p:cBhvr>
+                                        <p:cTn id="58" dur="1" fill="hold">
+                                          <p:stCondLst>
+                                            <p:cond delay="0"/>
+                                          </p:stCondLst>
+                                        </p:cTn>
+                                        <p:tgtEl>
+                                          <p:spTgt spid="3">
+                                            <p:txEl>
+                                              <p:pRg st="9" end="9"/>
+                                            </p:txEl>
+                                          </p:spTgt>
+                                        </p:tgtEl>
+                                        <p:attrNameLst>
+                                          <p:attrName>style.visibility</p:attrName>
+                                        </p:attrNameLst>
+                                      </p:cBhvr>
+                                      <p:to>
+                                        <p:strVal val="visible"/>
+                                      </p:to>
+                                    </p:set>
+                                    <p:animEffect transition="in" filter="fade">
+                                      <p:cBhvr>
+                                        <p:cTn id="59" dur="1000"/>
+                                        <p:tgtEl>
+                                          <p:spTgt spid="3">
+                                            <p:txEl>
+                                              <p:pRg st="9" end="9"/>
+                                            </p:txEl>
+                                          </p:spTgt>
+                                        </p:tgtEl>
+                                      </p:cBhvr>
+                                    </p:animEffect>
+                                    <p:anim calcmode="lin" valueType="num">
+                                      <p:cBhvr>
+                                        <p:cTn id="60" dur="1000" fill="hold"/>
+                                        <p:tgtEl>
+                                          <p:spTgt spid="3">
+                                            <p:txEl>
+                                              <p:pRg st="9" end="9"/>
+                                            </p:txEl>
+                                          </p:spTgt>
+                                        </p:tgtEl>
+                                        <p:attrNameLst>
+                                          <p:attrName>ppt_x</p:attrName>
+                                        </p:attrNameLst>
+                                      </p:cBhvr>
+                                      <p:tavLst>
+                                        <p:tav tm="0">
+                                          <p:val>
+                                            <p:strVal val="#ppt_x"/>
+                                          </p:val>
+                                        </p:tav>
+                                        <p:tav tm="100000">
+                                          <p:val>
+                                            <p:strVal val="#ppt_x"/>
+                                          </p:val>
+                                        </p:tav>
+                                      </p:tavLst>
+                                    </p:anim>
+                                    <p:anim calcmode="lin" valueType="num">
+                                      <p:cBhvr>
+                                        <p:cTn id="61" dur="1000" fill="hold"/>
+                                        <p:tgtEl>
+                                          <p:spTgt spid="3">
+                                            <p:txEl>
+                                              <p:pRg st="9" end="9"/>
+                                            </p:txEl>
+                                          </p:spTgt>
+                                        </p:tgtEl>
+                                        <p:attrNameLst>
+                                          <p:attrName>ppt_y</p:attrName>
+                                        </p:attrNameLst>
+                                      </p:cBhvr>
+                                      <p:tavLst>
+                                        <p:tav tm="0">
+                                          <p:val>
+                                            <p:strVal val="#ppt_y+.1"/>
+                                          </p:val>
+                                        </p:tav>
+                                        <p:tav tm="100000">
+                                          <p:val>
+                                            <p:strVal val="#ppt_y"/>
+                                          </p:val>
+                                        </p:tav>
+                                      </p:tavLst>
+                                    </p:anim>
+                                  </p:childTnLst>
+                                </p:cTn>
+                              </p:par>
                             </p:childTnLst>
                           </p:cTn>
                         </p:par>
